--- a/presentation/Studify.pptx
+++ b/presentation/Studify.pptx
@@ -113,6 +113,11 @@
       </a:defRPr>
     </a:lvl9pPr>
   </p:defaultTextStyle>
+  <p:extLst>
+    <p:ext uri="{EFAFB233-063F-42B5-8137-9DF3F51BA10A}">
+      <p15:sldGuideLst xmlns:p15="http://schemas.microsoft.com/office/powerpoint/2012/main"/>
+    </p:ext>
+  </p:extLst>
 </p:presentation>
 </file>
 
@@ -341,7 +346,7 @@
             <a:fld id="{5586B75A-687E-405C-8A0B-8D00578BA2C3}" type="datetimeFigureOut">
               <a:rPr lang="en-US" dirty="0"/>
               <a:pPr/>
-              <a:t>6/16/2020</a:t>
+              <a:t>10/9/2020</a:t>
             </a:fld>
             <a:endParaRPr lang="en-US" dirty="0"/>
           </a:p>
@@ -508,7 +513,7 @@
             <a:fld id="{5586B75A-687E-405C-8A0B-8D00578BA2C3}" type="datetimeFigureOut">
               <a:rPr lang="en-US" dirty="0"/>
               <a:pPr/>
-              <a:t>6/16/2020</a:t>
+              <a:t>10/9/2020</a:t>
             </a:fld>
             <a:endParaRPr lang="en-US" dirty="0"/>
           </a:p>
@@ -685,7 +690,7 @@
             <a:fld id="{5586B75A-687E-405C-8A0B-8D00578BA2C3}" type="datetimeFigureOut">
               <a:rPr lang="en-US" dirty="0"/>
               <a:pPr/>
-              <a:t>6/16/2020</a:t>
+              <a:t>10/9/2020</a:t>
             </a:fld>
             <a:endParaRPr lang="en-US" dirty="0"/>
           </a:p>
@@ -852,7 +857,7 @@
             <a:fld id="{5586B75A-687E-405C-8A0B-8D00578BA2C3}" type="datetimeFigureOut">
               <a:rPr lang="en-US" dirty="0"/>
               <a:pPr/>
-              <a:t>6/16/2020</a:t>
+              <a:t>10/9/2020</a:t>
             </a:fld>
             <a:endParaRPr lang="en-US" dirty="0"/>
           </a:p>
@@ -1107,7 +1112,7 @@
             <a:fld id="{5586B75A-687E-405C-8A0B-8D00578BA2C3}" type="datetimeFigureOut">
               <a:rPr lang="en-US" dirty="0"/>
               <a:pPr/>
-              <a:t>6/16/2020</a:t>
+              <a:t>10/9/2020</a:t>
             </a:fld>
             <a:endParaRPr lang="en-US" dirty="0"/>
           </a:p>
@@ -1392,7 +1397,7 @@
             <a:fld id="{5586B75A-687E-405C-8A0B-8D00578BA2C3}" type="datetimeFigureOut">
               <a:rPr lang="en-US" dirty="0"/>
               <a:pPr/>
-              <a:t>6/16/2020</a:t>
+              <a:t>10/9/2020</a:t>
             </a:fld>
             <a:endParaRPr lang="en-US" dirty="0"/>
           </a:p>
@@ -1831,7 +1836,7 @@
             <a:fld id="{5586B75A-687E-405C-8A0B-8D00578BA2C3}" type="datetimeFigureOut">
               <a:rPr lang="en-US" dirty="0"/>
               <a:pPr/>
-              <a:t>6/16/2020</a:t>
+              <a:t>10/9/2020</a:t>
             </a:fld>
             <a:endParaRPr lang="en-US" dirty="0"/>
           </a:p>
@@ -1946,7 +1951,7 @@
             <a:fld id="{5586B75A-687E-405C-8A0B-8D00578BA2C3}" type="datetimeFigureOut">
               <a:rPr lang="en-US" dirty="0"/>
               <a:pPr/>
-              <a:t>6/16/2020</a:t>
+              <a:t>10/9/2020</a:t>
             </a:fld>
             <a:endParaRPr lang="en-US" dirty="0"/>
           </a:p>
@@ -2038,7 +2043,7 @@
             <a:fld id="{5586B75A-687E-405C-8A0B-8D00578BA2C3}" type="datetimeFigureOut">
               <a:rPr lang="en-US" dirty="0"/>
               <a:pPr/>
-              <a:t>6/16/2020</a:t>
+              <a:t>10/9/2020</a:t>
             </a:fld>
             <a:endParaRPr lang="en-US" dirty="0"/>
           </a:p>
@@ -2323,7 +2328,7 @@
             <a:fld id="{5586B75A-687E-405C-8A0B-8D00578BA2C3}" type="datetimeFigureOut">
               <a:rPr lang="en-US" dirty="0"/>
               <a:pPr/>
-              <a:t>6/16/2020</a:t>
+              <a:t>10/9/2020</a:t>
             </a:fld>
             <a:endParaRPr lang="en-US" dirty="0"/>
           </a:p>
@@ -2593,7 +2598,7 @@
             <a:fld id="{5586B75A-687E-405C-8A0B-8D00578BA2C3}" type="datetimeFigureOut">
               <a:rPr lang="en-US" dirty="0"/>
               <a:pPr/>
-              <a:t>6/16/2020</a:t>
+              <a:t>10/9/2020</a:t>
             </a:fld>
             <a:endParaRPr lang="en-US" dirty="0"/>
           </a:p>
@@ -2887,7 +2892,7 @@
             <a:fld id="{5586B75A-687E-405C-8A0B-8D00578BA2C3}" type="datetimeFigureOut">
               <a:rPr lang="en-US" dirty="0"/>
               <a:pPr/>
-              <a:t>6/16/2020</a:t>
+              <a:t>10/9/2020</a:t>
             </a:fld>
             <a:endParaRPr lang="en-US" dirty="0"/>
           </a:p>
@@ -3793,13 +3798,13 @@
   <p:clrMapOvr>
     <a:masterClrMapping/>
   </p:clrMapOvr>
-  <mc:AlternateContent xmlns:mc="http://schemas.openxmlformats.org/markup-compatibility/2006">
-    <mc:Choice xmlns:p15="http://schemas.microsoft.com/office/powerpoint/2012/main" Requires="p15">
+  <mc:AlternateContent xmlns:mc="http://schemas.openxmlformats.org/markup-compatibility/2006" xmlns:p15="http://schemas.microsoft.com/office/powerpoint/2012/main">
+    <mc:Choice Requires="p15">
       <p:transition xmlns:p14="http://schemas.microsoft.com/office/powerpoint/2010/main" spd="slow" p14:dur="6000">
         <p15:prstTrans prst="curtains"/>
       </p:transition>
     </mc:Choice>
-    <mc:Fallback>
+    <mc:Fallback xmlns="">
       <p:transition spd="slow">
         <p:fade/>
       </p:transition>
@@ -4866,6 +4871,24 @@
             </a:endParaRPr>
           </a:p>
           <a:p>
+            <a:r>
+              <a:rPr lang="en-IN" sz="2400" dirty="0">
+                <a:latin typeface="Segoe UI" panose="020B0502040204020203" pitchFamily="34" charset="0"/>
+                <a:cs typeface="Segoe UI" panose="020B0502040204020203" pitchFamily="34" charset="0"/>
+              </a:rPr>
+              <a:t>Allows you to listen concentration music for focus.</a:t>
+            </a:r>
+          </a:p>
+          <a:p>
+            <a:pPr marL="0" indent="0">
+              <a:buNone/>
+            </a:pPr>
+            <a:endParaRPr lang="en-IN" sz="2400" dirty="0">
+              <a:latin typeface="Segoe UI" panose="020B0502040204020203" pitchFamily="34" charset="0"/>
+              <a:cs typeface="Segoe UI" panose="020B0502040204020203" pitchFamily="34" charset="0"/>
+            </a:endParaRPr>
+          </a:p>
+          <a:p>
             <a:pPr lvl="0"/>
             <a:r>
               <a:rPr lang="en-US" sz="2400" dirty="0">
@@ -5386,6 +5409,121 @@
                                           <p:spTgt spid="3">
                                             <p:txEl>
                                               <p:pRg st="6" end="6"/>
+                                            </p:txEl>
+                                          </p:spTgt>
+                                        </p:tgtEl>
+                                        <p:attrNameLst>
+                                          <p:attrName>ppt_y</p:attrName>
+                                        </p:attrNameLst>
+                                      </p:cBhvr>
+                                      <p:tavLst>
+                                        <p:tav tm="0">
+                                          <p:val>
+                                            <p:strVal val="#ppt_y+.1"/>
+                                          </p:val>
+                                        </p:tav>
+                                        <p:tav tm="100000">
+                                          <p:val>
+                                            <p:strVal val="#ppt_y"/>
+                                          </p:val>
+                                        </p:tav>
+                                      </p:tavLst>
+                                    </p:anim>
+                                  </p:childTnLst>
+                                </p:cTn>
+                              </p:par>
+                            </p:childTnLst>
+                          </p:cTn>
+                        </p:par>
+                      </p:childTnLst>
+                    </p:cTn>
+                  </p:par>
+                  <p:par>
+                    <p:cTn id="36" fill="hold">
+                      <p:stCondLst>
+                        <p:cond delay="indefinite"/>
+                      </p:stCondLst>
+                      <p:childTnLst>
+                        <p:par>
+                          <p:cTn id="37" fill="hold">
+                            <p:stCondLst>
+                              <p:cond delay="0"/>
+                            </p:stCondLst>
+                            <p:childTnLst>
+                              <p:par>
+                                <p:cTn id="38" presetID="42" presetClass="entr" presetSubtype="0" fill="hold" grpId="0" nodeType="clickEffect">
+                                  <p:stCondLst>
+                                    <p:cond delay="0"/>
+                                  </p:stCondLst>
+                                  <p:childTnLst>
+                                    <p:set>
+                                      <p:cBhvr>
+                                        <p:cTn id="39" dur="1" fill="hold">
+                                          <p:stCondLst>
+                                            <p:cond delay="0"/>
+                                          </p:stCondLst>
+                                        </p:cTn>
+                                        <p:tgtEl>
+                                          <p:spTgt spid="3">
+                                            <p:txEl>
+                                              <p:pRg st="8" end="8"/>
+                                            </p:txEl>
+                                          </p:spTgt>
+                                        </p:tgtEl>
+                                        <p:attrNameLst>
+                                          <p:attrName>style.visibility</p:attrName>
+                                        </p:attrNameLst>
+                                      </p:cBhvr>
+                                      <p:to>
+                                        <p:strVal val="visible"/>
+                                      </p:to>
+                                    </p:set>
+                                    <p:animEffect transition="in" filter="fade">
+                                      <p:cBhvr>
+                                        <p:cTn id="40" dur="2000"/>
+                                        <p:tgtEl>
+                                          <p:spTgt spid="3">
+                                            <p:txEl>
+                                              <p:pRg st="8" end="8"/>
+                                            </p:txEl>
+                                          </p:spTgt>
+                                        </p:tgtEl>
+                                      </p:cBhvr>
+                                    </p:animEffect>
+                                    <p:anim calcmode="lin" valueType="num">
+                                      <p:cBhvr>
+                                        <p:cTn id="41" dur="2000" fill="hold"/>
+                                        <p:tgtEl>
+                                          <p:spTgt spid="3">
+                                            <p:txEl>
+                                              <p:pRg st="8" end="8"/>
+                                            </p:txEl>
+                                          </p:spTgt>
+                                        </p:tgtEl>
+                                        <p:attrNameLst>
+                                          <p:attrName>ppt_x</p:attrName>
+                                        </p:attrNameLst>
+                                      </p:cBhvr>
+                                      <p:tavLst>
+                                        <p:tav tm="0">
+                                          <p:val>
+                                            <p:strVal val="#ppt_x"/>
+                                          </p:val>
+                                        </p:tav>
+                                        <p:tav tm="100000">
+                                          <p:val>
+                                            <p:strVal val="#ppt_x"/>
+                                          </p:val>
+                                        </p:tav>
+                                      </p:tavLst>
+                                    </p:anim>
+                                    <p:anim calcmode="lin" valueType="num">
+                                      <p:cBhvr>
+                                        <p:cTn id="42" dur="2000" fill="hold"/>
+                                        <p:tgtEl>
+                                          <p:spTgt spid="3">
+                                            <p:txEl>
+                                              <p:pRg st="8" end="8"/>
                                             </p:txEl>
                                           </p:spTgt>
                                         </p:tgtEl>
@@ -5575,6 +5713,23 @@
               </a:rPr>
               <a:t>you will never forget about any assignment.</a:t>
             </a:r>
+          </a:p>
+          <a:p>
+            <a:pPr lvl="0"/>
+            <a:endParaRPr lang="en-US" sz="2400" dirty="0">
+              <a:latin typeface="Segoe UI" panose="020B0502040204020203" pitchFamily="34" charset="0"/>
+              <a:cs typeface="Segoe UI" panose="020B0502040204020203" pitchFamily="34" charset="0"/>
+            </a:endParaRPr>
+          </a:p>
+          <a:p>
+            <a:pPr lvl="0"/>
+            <a:r>
+              <a:rPr lang="en-US" sz="2400" dirty="0">
+                <a:latin typeface="Segoe UI" panose="020B0502040204020203" pitchFamily="34" charset="0"/>
+                <a:cs typeface="Segoe UI" panose="020B0502040204020203" pitchFamily="34" charset="0"/>
+              </a:rPr>
+              <a:t>you will become more focused</a:t>
+            </a:r>
             <a:endParaRPr lang="en-IN" sz="2400" dirty="0">
               <a:latin typeface="Segoe UI" panose="020B0502040204020203" pitchFamily="34" charset="0"/>
               <a:cs typeface="Segoe UI" panose="020B0502040204020203" pitchFamily="34" charset="0"/>
@@ -6110,6 +6265,121 @@
                                           <p:spTgt spid="3">
                                             <p:txEl>
                                               <p:pRg st="6" end="6"/>
+                                            </p:txEl>
+                                          </p:spTgt>
+                                        </p:tgtEl>
+                                        <p:attrNameLst>
+                                          <p:attrName>ppt_y</p:attrName>
+                                        </p:attrNameLst>
+                                      </p:cBhvr>
+                                      <p:tavLst>
+                                        <p:tav tm="0">
+                                          <p:val>
+                                            <p:strVal val="#ppt_y+.1"/>
+                                          </p:val>
+                                        </p:tav>
+                                        <p:tav tm="100000">
+                                          <p:val>
+                                            <p:strVal val="#ppt_y"/>
+                                          </p:val>
+                                        </p:tav>
+                                      </p:tavLst>
+                                    </p:anim>
+                                  </p:childTnLst>
+                                </p:cTn>
+                              </p:par>
+                            </p:childTnLst>
+                          </p:cTn>
+                        </p:par>
+                      </p:childTnLst>
+                    </p:cTn>
+                  </p:par>
+                  <p:par>
+                    <p:cTn id="36" fill="hold">
+                      <p:stCondLst>
+                        <p:cond delay="indefinite"/>
+                      </p:stCondLst>
+                      <p:childTnLst>
+                        <p:par>
+                          <p:cTn id="37" fill="hold">
+                            <p:stCondLst>
+                              <p:cond delay="0"/>
+                            </p:stCondLst>
+                            <p:childTnLst>
+                              <p:par>
+                                <p:cTn id="38" presetID="42" presetClass="entr" presetSubtype="0" fill="hold" grpId="0" nodeType="clickEffect">
+                                  <p:stCondLst>
+                                    <p:cond delay="0"/>
+                                  </p:stCondLst>
+                                  <p:childTnLst>
+                                    <p:set>
+                                      <p:cBhvr>
+                                        <p:cTn id="39" dur="1" fill="hold">
+                                          <p:stCondLst>
+                                            <p:cond delay="0"/>
+                                          </p:stCondLst>
+                                        </p:cTn>
+                                        <p:tgtEl>
+                                          <p:spTgt spid="3">
+                                            <p:txEl>
+                                              <p:pRg st="8" end="8"/>
+                                            </p:txEl>
+                                          </p:spTgt>
+                                        </p:tgtEl>
+                                        <p:attrNameLst>
+                                          <p:attrName>style.visibility</p:attrName>
+                                        </p:attrNameLst>
+                                      </p:cBhvr>
+                                      <p:to>
+                                        <p:strVal val="visible"/>
+                                      </p:to>
+                                    </p:set>
+                                    <p:animEffect transition="in" filter="fade">
+                                      <p:cBhvr>
+                                        <p:cTn id="40" dur="2000"/>
+                                        <p:tgtEl>
+                                          <p:spTgt spid="3">
+                                            <p:txEl>
+                                              <p:pRg st="8" end="8"/>
+                                            </p:txEl>
+                                          </p:spTgt>
+                                        </p:tgtEl>
+                                      </p:cBhvr>
+                                    </p:animEffect>
+                                    <p:anim calcmode="lin" valueType="num">
+                                      <p:cBhvr>
+                                        <p:cTn id="41" dur="2000" fill="hold"/>
+                                        <p:tgtEl>
+                                          <p:spTgt spid="3">
+                                            <p:txEl>
+                                              <p:pRg st="8" end="8"/>
+                                            </p:txEl>
+                                          </p:spTgt>
+                                        </p:tgtEl>
+                                        <p:attrNameLst>
+                                          <p:attrName>ppt_x</p:attrName>
+                                        </p:attrNameLst>
+                                      </p:cBhvr>
+                                      <p:tavLst>
+                                        <p:tav tm="0">
+                                          <p:val>
+                                            <p:strVal val="#ppt_x"/>
+                                          </p:val>
+                                        </p:tav>
+                                        <p:tav tm="100000">
+                                          <p:val>
+                                            <p:strVal val="#ppt_x"/>
+                                          </p:val>
+                                        </p:tav>
+                                      </p:tavLst>
+                                    </p:anim>
+                                    <p:anim calcmode="lin" valueType="num">
+                                      <p:cBhvr>
+                                        <p:cTn id="42" dur="2000" fill="hold"/>
+                                        <p:tgtEl>
+                                          <p:spTgt spid="3">
+                                            <p:txEl>
+                                              <p:pRg st="8" end="8"/>
                                             </p:txEl>
                                           </p:spTgt>
                                         </p:tgtEl>
